--- a/integration_project.pptx
+++ b/integration_project.pptx
@@ -9074,10 +9074,10 @@
               <a:buNone/>
             </a:pPr>
             <a:r>
-              <a:rPr lang="tr"/>
+              <a:rPr lang="tr" dirty="0"/>
               <a:t>software installation: </a:t>
             </a:r>
-            <a:endParaRPr/>
+            <a:endParaRPr dirty="0"/>
           </a:p>
           <a:p>
             <a:pPr marL="0" lvl="0" indent="0" algn="l" rtl="0">
@@ -9090,10 +9090,10 @@
               <a:buNone/>
             </a:pPr>
             <a:r>
-              <a:rPr lang="tr"/>
-              <a:t>python, spacy, odoo, smtp, git</a:t>
+              <a:rPr lang="tr" dirty="0"/>
+              <a:t>python, odoo, smtp, git</a:t>
             </a:r>
-            <a:endParaRPr/>
+            <a:endParaRPr dirty="0"/>
           </a:p>
           <a:p>
             <a:pPr marL="0" lvl="0" indent="0" algn="l" rtl="0">
@@ -9106,10 +9106,10 @@
               <a:buNone/>
             </a:pPr>
             <a:r>
-              <a:rPr lang="tr"/>
+              <a:rPr lang="tr" dirty="0"/>
               <a:t>tests</a:t>
             </a:r>
-            <a:endParaRPr/>
+            <a:endParaRPr dirty="0"/>
           </a:p>
         </p:txBody>
       </p:sp>
